--- a/Cookie Lab/Documentation/Arduino Control Diagram.pptx
+++ b/Cookie Lab/Documentation/Arduino Control Diagram.pptx
@@ -744,7 +744,7 @@
           <a:p>
             <a:fld id="{846CE7D5-CF57-46EF-B807-FDD0502418D4}" type="datetimeFigureOut">
               <a:rPr lang="en-US" smtClean="0"/>
-              <a:t>4/18/2019</a:t>
+              <a:t>5/6/2019</a:t>
             </a:fld>
             <a:endParaRPr lang="en-US"/>
           </a:p>
@@ -912,7 +912,7 @@
           <a:p>
             <a:fld id="{846CE7D5-CF57-46EF-B807-FDD0502418D4}" type="datetimeFigureOut">
               <a:rPr lang="en-US" smtClean="0"/>
-              <a:t>4/18/2019</a:t>
+              <a:t>5/6/2019</a:t>
             </a:fld>
             <a:endParaRPr lang="en-US"/>
           </a:p>
@@ -1090,7 +1090,7 @@
           <a:p>
             <a:fld id="{846CE7D5-CF57-46EF-B807-FDD0502418D4}" type="datetimeFigureOut">
               <a:rPr lang="en-US" smtClean="0"/>
-              <a:t>4/18/2019</a:t>
+              <a:t>5/6/2019</a:t>
             </a:fld>
             <a:endParaRPr lang="en-US"/>
           </a:p>
@@ -1258,7 +1258,7 @@
           <a:p>
             <a:fld id="{846CE7D5-CF57-46EF-B807-FDD0502418D4}" type="datetimeFigureOut">
               <a:rPr lang="en-US" smtClean="0"/>
-              <a:t>4/18/2019</a:t>
+              <a:t>5/6/2019</a:t>
             </a:fld>
             <a:endParaRPr lang="en-US"/>
           </a:p>
@@ -1501,7 +1501,7 @@
           <a:p>
             <a:fld id="{846CE7D5-CF57-46EF-B807-FDD0502418D4}" type="datetimeFigureOut">
               <a:rPr lang="en-US" smtClean="0"/>
-              <a:t>4/18/2019</a:t>
+              <a:t>5/6/2019</a:t>
             </a:fld>
             <a:endParaRPr lang="en-US"/>
           </a:p>
@@ -1730,7 +1730,7 @@
           <a:p>
             <a:fld id="{846CE7D5-CF57-46EF-B807-FDD0502418D4}" type="datetimeFigureOut">
               <a:rPr lang="en-US" smtClean="0"/>
-              <a:t>4/18/2019</a:t>
+              <a:t>5/6/2019</a:t>
             </a:fld>
             <a:endParaRPr lang="en-US"/>
           </a:p>
@@ -2094,7 +2094,7 @@
           <a:p>
             <a:fld id="{846CE7D5-CF57-46EF-B807-FDD0502418D4}" type="datetimeFigureOut">
               <a:rPr lang="en-US" smtClean="0"/>
-              <a:t>4/18/2019</a:t>
+              <a:t>5/6/2019</a:t>
             </a:fld>
             <a:endParaRPr lang="en-US"/>
           </a:p>
@@ -2211,7 +2211,7 @@
           <a:p>
             <a:fld id="{846CE7D5-CF57-46EF-B807-FDD0502418D4}" type="datetimeFigureOut">
               <a:rPr lang="en-US" smtClean="0"/>
-              <a:t>4/18/2019</a:t>
+              <a:t>5/6/2019</a:t>
             </a:fld>
             <a:endParaRPr lang="en-US"/>
           </a:p>
@@ -2306,7 +2306,7 @@
           <a:p>
             <a:fld id="{846CE7D5-CF57-46EF-B807-FDD0502418D4}" type="datetimeFigureOut">
               <a:rPr lang="en-US" smtClean="0"/>
-              <a:t>4/18/2019</a:t>
+              <a:t>5/6/2019</a:t>
             </a:fld>
             <a:endParaRPr lang="en-US"/>
           </a:p>
@@ -2581,7 +2581,7 @@
           <a:p>
             <a:fld id="{846CE7D5-CF57-46EF-B807-FDD0502418D4}" type="datetimeFigureOut">
               <a:rPr lang="en-US" smtClean="0"/>
-              <a:t>4/18/2019</a:t>
+              <a:t>5/6/2019</a:t>
             </a:fld>
             <a:endParaRPr lang="en-US"/>
           </a:p>
@@ -2836,7 +2836,7 @@
           <a:p>
             <a:fld id="{846CE7D5-CF57-46EF-B807-FDD0502418D4}" type="datetimeFigureOut">
               <a:rPr lang="en-US" smtClean="0"/>
-              <a:t>4/18/2019</a:t>
+              <a:t>5/6/2019</a:t>
             </a:fld>
             <a:endParaRPr lang="en-US"/>
           </a:p>
@@ -3047,7 +3047,7 @@
           <a:p>
             <a:fld id="{846CE7D5-CF57-46EF-B807-FDD0502418D4}" type="datetimeFigureOut">
               <a:rPr lang="en-US" smtClean="0"/>
-              <a:t>4/18/2019</a:t>
+              <a:t>5/6/2019</a:t>
             </a:fld>
             <a:endParaRPr lang="en-US"/>
           </a:p>
@@ -3559,7 +3559,7 @@
         <p:spPr>
           <a:xfrm>
             <a:off x="803943" y="2082612"/>
-            <a:ext cx="1552575" cy="1569660"/>
+            <a:ext cx="1642542" cy="1569660"/>
           </a:xfrm>
           <a:prstGeom prst="rect">
             <a:avLst/>
@@ -3573,7 +3573,7 @@
           <a:lstStyle/>
           <a:p>
             <a:r>
-              <a:rPr lang="en-US"/>
+              <a:rPr lang="en-US" dirty="0"/>
               <a:t>Processing</a:t>
             </a:r>
           </a:p>
@@ -3583,7 +3583,7 @@
               <a:buChar char="•"/>
             </a:pPr>
             <a:r>
-              <a:rPr lang="en-US" sz="1200"/>
+              <a:rPr lang="en-US" sz="1200" dirty="0"/>
               <a:t>GUI (sliders/buttons)</a:t>
             </a:r>
           </a:p>
@@ -3593,8 +3593,8 @@
               <a:buChar char="•"/>
             </a:pPr>
             <a:r>
-              <a:rPr lang="en-US" sz="1200"/>
-              <a:t>Communicates with Arduino using Firmata</a:t>
+              <a:rPr lang="en-US" sz="1200" dirty="0"/>
+              <a:t>interfaces with Arduino via serial communication</a:t>
             </a:r>
           </a:p>
           <a:p>
@@ -3602,7 +3602,7 @@
               <a:buFont typeface="Arial" panose="020B0604020202020204" pitchFamily="34" charset="0"/>
               <a:buChar char="•"/>
             </a:pPr>
-            <a:endParaRPr lang="en-US"/>
+            <a:endParaRPr lang="en-US" dirty="0"/>
           </a:p>
         </p:txBody>
       </p:sp>
@@ -3621,7 +3621,7 @@
         <p:spPr>
           <a:xfrm>
             <a:off x="893910" y="5486685"/>
-            <a:ext cx="1552575" cy="1292662"/>
+            <a:ext cx="1552575" cy="923330"/>
           </a:xfrm>
           <a:prstGeom prst="rect">
             <a:avLst/>
@@ -3635,8 +3635,8 @@
           <a:lstStyle/>
           <a:p>
             <a:r>
-              <a:rPr lang="en-US"/>
-              <a:t>Master ()</a:t>
+              <a:rPr lang="en-US" dirty="0"/>
+              <a:t>Master (0)</a:t>
             </a:r>
           </a:p>
           <a:p>
@@ -3645,10 +3645,10 @@
               <a:buChar char="•"/>
             </a:pPr>
             <a:r>
-              <a:rPr lang="en-US" sz="1200"/>
-              <a:t>Running Firmata for easy communication with Computer using USB</a:t>
-            </a:r>
-            <a:endParaRPr lang="en-US"/>
+              <a:rPr lang="en-US" sz="1200" dirty="0"/>
+              <a:t>Interprets and directs commands</a:t>
+            </a:r>
+            <a:endParaRPr lang="en-US" dirty="0"/>
           </a:p>
         </p:txBody>
       </p:sp>
@@ -3770,14 +3770,14 @@
           <a:lstStyle/>
           <a:p>
             <a:r>
-              <a:rPr lang="en-US"/>
+              <a:rPr lang="en-US" dirty="0"/>
               <a:t>Slave 1 (1)</a:t>
             </a:r>
           </a:p>
           <a:p>
             <a:r>
-              <a:rPr lang="en-US"/>
-              <a:t>Train</a:t>
+              <a:rPr lang="en-US" dirty="0"/>
+              <a:t>Tracked Cart</a:t>
             </a:r>
           </a:p>
           <a:p>
@@ -3786,8 +3786,8 @@
               <a:buChar char="•"/>
             </a:pPr>
             <a:r>
-              <a:rPr lang="en-US" sz="1200"/>
-              <a:t>Controls the location of the train</a:t>
+              <a:rPr lang="en-US" sz="1200" dirty="0"/>
+              <a:t>Controls the location of the tracked cart</a:t>
             </a:r>
           </a:p>
           <a:p>
@@ -3796,7 +3796,7 @@
               <a:buChar char="•"/>
             </a:pPr>
             <a:r>
-              <a:rPr lang="en-US" sz="1200"/>
+              <a:rPr lang="en-US" sz="1200" dirty="0"/>
               <a:t>Interfaces with the ultrasonic sensor</a:t>
             </a:r>
           </a:p>
@@ -3921,14 +3921,14 @@
           <a:lstStyle/>
           <a:p>
             <a:r>
-              <a:rPr lang="en-US"/>
+              <a:rPr lang="en-US" dirty="0"/>
               <a:t>Slave 3 (3)</a:t>
             </a:r>
           </a:p>
           <a:p>
             <a:r>
-              <a:rPr lang="en-US"/>
-              <a:t>Gripper</a:t>
+              <a:rPr lang="en-US" dirty="0"/>
+              <a:t>Robotic Arm</a:t>
             </a:r>
           </a:p>
           <a:p>
@@ -3937,7 +3937,7 @@
               <a:buChar char="•"/>
             </a:pPr>
             <a:r>
-              <a:rPr lang="en-US" sz="1200"/>
+              <a:rPr lang="en-US" sz="1200" dirty="0"/>
               <a:t>Stepper motors</a:t>
             </a:r>
           </a:p>
@@ -3947,7 +3947,7 @@
               <a:buChar char="•"/>
             </a:pPr>
             <a:r>
-              <a:rPr lang="en-US" sz="1200"/>
+              <a:rPr lang="en-US" sz="1200" dirty="0"/>
               <a:t>Servos</a:t>
             </a:r>
           </a:p>
@@ -3957,7 +3957,7 @@
               <a:buChar char="•"/>
             </a:pPr>
             <a:r>
-              <a:rPr lang="en-US" sz="1200"/>
+              <a:rPr lang="en-US" sz="1200" dirty="0"/>
               <a:t>Limit switches</a:t>
             </a:r>
           </a:p>
@@ -3966,7 +3966,7 @@
               <a:buFont typeface="Arial" panose="020B0604020202020204" pitchFamily="34" charset="0"/>
               <a:buChar char="•"/>
             </a:pPr>
-            <a:endParaRPr lang="en-US" sz="1200"/>
+            <a:endParaRPr lang="en-US" sz="1200" dirty="0"/>
           </a:p>
         </p:txBody>
       </p:sp>
@@ -4046,13 +4046,13 @@
           <a:lstStyle/>
           <a:p>
             <a:r>
-              <a:rPr lang="en-US"/>
+              <a:rPr lang="en-US" dirty="0"/>
               <a:t>Slave 4 (4)</a:t>
             </a:r>
           </a:p>
           <a:p>
             <a:r>
-              <a:rPr lang="en-US"/>
+              <a:rPr lang="en-US" dirty="0"/>
               <a:t>Mixer/Former</a:t>
             </a:r>
           </a:p>
@@ -4062,7 +4062,7 @@
               <a:buChar char="•"/>
             </a:pPr>
             <a:r>
-              <a:rPr lang="en-US" sz="1200"/>
+              <a:rPr lang="en-US" sz="1200" dirty="0"/>
               <a:t>Controls the motors of the mixer and former</a:t>
             </a:r>
           </a:p>
@@ -4461,8 +4461,8 @@
         </p:nvSpPr>
         <p:spPr>
           <a:xfrm rot="16200000">
-            <a:off x="2915246" y="2911801"/>
-            <a:ext cx="1551963" cy="276999"/>
+            <a:off x="2819392" y="2815946"/>
+            <a:ext cx="1743671" cy="276999"/>
           </a:xfrm>
           <a:prstGeom prst="rect">
             <a:avLst/>
@@ -4476,8 +4476,8 @@
           <a:lstStyle/>
           <a:p>
             <a:r>
-              <a:rPr lang="en-US" sz="1200"/>
-              <a:t>I2C Communication</a:t>
+              <a:rPr lang="en-US" sz="1200" dirty="0"/>
+              <a:t>I2C Communication Bus</a:t>
             </a:r>
           </a:p>
         </p:txBody>
@@ -4792,21 +4792,6 @@
 </file>
 
 <file path=customXml/item1.xml><?xml version="1.0" encoding="utf-8"?>
-<?mso-contentType ?>
-<FormTemplates xmlns="http://schemas.microsoft.com/sharepoint/v3/contenttype/forms">
-  <Display>DocumentLibraryForm</Display>
-  <Edit>DocumentLibraryForm</Edit>
-  <New>DocumentLibraryForm</New>
-</FormTemplates>
-</file>
-
-<file path=customXml/item2.xml><?xml version="1.0" encoding="utf-8"?>
-<p:properties xmlns:p="http://schemas.microsoft.com/office/2006/metadata/properties" xmlns:xsi="http://www.w3.org/2001/XMLSchema-instance" xmlns:pc="http://schemas.microsoft.com/office/infopath/2007/PartnerControls">
-  <documentManagement/>
-</p:properties>
-</file>
-
-<file path=customXml/item3.xml><?xml version="1.0" encoding="utf-8"?>
 <ct:contentTypeSchema xmlns:ct="http://schemas.microsoft.com/office/2006/metadata/contentType" xmlns:ma="http://schemas.microsoft.com/office/2006/metadata/properties/metaAttributes" ct:_="" ma:_="" ma:contentTypeName="Document" ma:contentTypeID="0x01010017941FD7073E9D40AAA3DDF2F92C8C02" ma:contentTypeVersion="6" ma:contentTypeDescription="Create a new document." ma:contentTypeScope="" ma:versionID="c0fee8a818cb6478a1da58e7e8f7b936">
   <xsd:schema xmlns:xsd="http://www.w3.org/2001/XMLSchema" xmlns:xs="http://www.w3.org/2001/XMLSchema" xmlns:p="http://schemas.microsoft.com/office/2006/metadata/properties" xmlns:ns2="844533e0-0e43-4901-881c-870fa65da2d5" targetNamespace="http://schemas.microsoft.com/office/2006/metadata/properties" ma:root="true" ma:fieldsID="89d3ec712dc6c4ab53d43e287f6e437a" ns2:_="">
     <xsd:import namespace="844533e0-0e43-4901-881c-870fa65da2d5"/>
@@ -4964,24 +4949,22 @@
 </ct:contentTypeSchema>
 </file>
 
-<file path=customXml/itemProps1.xml><?xml version="1.0" encoding="utf-8"?>
-<ds:datastoreItem xmlns:ds="http://schemas.openxmlformats.org/officeDocument/2006/customXml" ds:itemID="{F2D8190D-2D69-4340-96E5-70D08744409B}">
-  <ds:schemaRefs>
-    <ds:schemaRef ds:uri="http://schemas.microsoft.com/sharepoint/v3/contenttype/forms"/>
-  </ds:schemaRefs>
-</ds:datastoreItem>
+<file path=customXml/item2.xml><?xml version="1.0" encoding="utf-8"?>
+<p:properties xmlns:p="http://schemas.microsoft.com/office/2006/metadata/properties" xmlns:xsi="http://www.w3.org/2001/XMLSchema-instance" xmlns:pc="http://schemas.microsoft.com/office/infopath/2007/PartnerControls">
+  <documentManagement/>
+</p:properties>
 </file>
 
-<file path=customXml/itemProps2.xml><?xml version="1.0" encoding="utf-8"?>
-<ds:datastoreItem xmlns:ds="http://schemas.openxmlformats.org/officeDocument/2006/customXml" ds:itemID="{911B9554-8658-4139-8182-ABDC20DAF488}">
-  <ds:schemaRefs>
-    <ds:schemaRef ds:uri="http://schemas.microsoft.com/office/2006/metadata/properties"/>
-    <ds:schemaRef ds:uri="http://schemas.microsoft.com/office/infopath/2007/PartnerControls"/>
-  </ds:schemaRefs>
-</ds:datastoreItem>
+<file path=customXml/item3.xml><?xml version="1.0" encoding="utf-8"?>
+<?mso-contentType ?>
+<FormTemplates xmlns="http://schemas.microsoft.com/sharepoint/v3/contenttype/forms">
+  <Display>DocumentLibraryForm</Display>
+  <Edit>DocumentLibraryForm</Edit>
+  <New>DocumentLibraryForm</New>
+</FormTemplates>
 </file>
 
-<file path=customXml/itemProps3.xml><?xml version="1.0" encoding="utf-8"?>
+<file path=customXml/itemProps1.xml><?xml version="1.0" encoding="utf-8"?>
 <ds:datastoreItem xmlns:ds="http://schemas.openxmlformats.org/officeDocument/2006/customXml" ds:itemID="{30FCFB68-68F0-4C47-A611-03758EEAECF4}">
   <ds:schemaRefs>
     <ds:schemaRef ds:uri="844533e0-0e43-4901-881c-870fa65da2d5"/>
@@ -4997,4 +4980,21 @@
     <ds:schemaRef ds:uri="http://www.w3.org/2001/XMLSchema"/>
   </ds:schemaRefs>
 </ds:datastoreItem>
+</file>
+
+<file path=customXml/itemProps2.xml><?xml version="1.0" encoding="utf-8"?>
+<ds:datastoreItem xmlns:ds="http://schemas.openxmlformats.org/officeDocument/2006/customXml" ds:itemID="{911B9554-8658-4139-8182-ABDC20DAF488}">
+  <ds:schemaRefs>
+    <ds:schemaRef ds:uri="http://schemas.microsoft.com/office/2006/metadata/properties"/>
+    <ds:schemaRef ds:uri="http://schemas.microsoft.com/office/infopath/2007/PartnerControls"/>
+  </ds:schemaRefs>
+</ds:datastoreItem>
+</file>
+
+<file path=customXml/itemProps3.xml><?xml version="1.0" encoding="utf-8"?>
+<ds:datastoreItem xmlns:ds="http://schemas.openxmlformats.org/officeDocument/2006/customXml" ds:itemID="{F2D8190D-2D69-4340-96E5-70D08744409B}">
+  <ds:schemaRefs>
+    <ds:schemaRef ds:uri="http://schemas.microsoft.com/sharepoint/v3/contenttype/forms"/>
+  </ds:schemaRefs>
+</ds:datastoreItem>
 </file>